--- a/Fall_2017/Slides/06. Transaction Management.pptx
+++ b/Fall_2017/Slides/06. Transaction Management.pptx
@@ -297,7 +297,7 @@
               <a:pPr>
                 <a:defRPr/>
               </a:pPr>
-              <a:t>2017/11/15</a:t>
+              <a:t>2018/10/18</a:t>
             </a:fld>
             <a:endParaRPr lang="zh-CN" altLang="en-US"/>
           </a:p>
@@ -1161,7 +1161,7 @@
               <a:pPr>
                 <a:defRPr/>
               </a:pPr>
-              <a:t>2017/11/15</a:t>
+              <a:t>2018/10/18</a:t>
             </a:fld>
             <a:endParaRPr lang="zh-CN" altLang="en-US"/>
           </a:p>
@@ -1362,7 +1362,7 @@
               <a:pPr>
                 <a:defRPr/>
               </a:pPr>
-              <a:t>2017/11/15</a:t>
+              <a:t>2018/10/18</a:t>
             </a:fld>
             <a:endParaRPr lang="zh-CN" altLang="en-US"/>
           </a:p>
@@ -1572,7 +1572,7 @@
               <a:pPr>
                 <a:defRPr/>
               </a:pPr>
-              <a:t>2017/11/15</a:t>
+              <a:t>2018/10/18</a:t>
             </a:fld>
             <a:endParaRPr lang="zh-CN" altLang="en-US"/>
           </a:p>
@@ -1772,7 +1772,7 @@
               <a:pPr>
                 <a:defRPr/>
               </a:pPr>
-              <a:t>2017/11/15</a:t>
+              <a:t>2018/10/18</a:t>
             </a:fld>
             <a:endParaRPr lang="zh-CN" altLang="en-US"/>
           </a:p>
@@ -2295,7 +2295,7 @@
               <a:pPr>
                 <a:defRPr/>
               </a:pPr>
-              <a:t>2017/11/15</a:t>
+              <a:t>2018/10/18</a:t>
             </a:fld>
             <a:endParaRPr lang="zh-CN" altLang="en-US"/>
           </a:p>
@@ -2595,7 +2595,7 @@
               <a:pPr>
                 <a:defRPr/>
               </a:pPr>
-              <a:t>2017/11/15</a:t>
+              <a:t>2018/10/18</a:t>
             </a:fld>
             <a:endParaRPr lang="zh-CN" altLang="en-US"/>
           </a:p>
@@ -3110,7 +3110,7 @@
               <a:pPr>
                 <a:defRPr/>
               </a:pPr>
-              <a:t>2017/11/15</a:t>
+              <a:t>2018/10/18</a:t>
             </a:fld>
             <a:endParaRPr lang="zh-CN" altLang="en-US"/>
           </a:p>
@@ -3262,7 +3262,7 @@
               <a:pPr>
                 <a:defRPr/>
               </a:pPr>
-              <a:t>2017/11/15</a:t>
+              <a:t>2018/10/18</a:t>
             </a:fld>
             <a:endParaRPr lang="zh-CN" altLang="en-US"/>
           </a:p>
@@ -3507,7 +3507,7 @@
               <a:pPr>
                 <a:defRPr/>
               </a:pPr>
-              <a:t>2017/11/15</a:t>
+              <a:t>2018/10/18</a:t>
             </a:fld>
             <a:endParaRPr lang="zh-CN" altLang="en-US"/>
           </a:p>
@@ -3800,7 +3800,7 @@
               <a:pPr>
                 <a:defRPr/>
               </a:pPr>
-              <a:t>2017/11/15</a:t>
+              <a:t>2018/10/18</a:t>
             </a:fld>
             <a:endParaRPr lang="zh-CN" altLang="en-US"/>
           </a:p>
@@ -4267,7 +4267,7 @@
               <a:pPr>
                 <a:defRPr/>
               </a:pPr>
-              <a:t>2017/11/15</a:t>
+              <a:t>2018/10/18</a:t>
             </a:fld>
             <a:endParaRPr lang="zh-CN" altLang="en-US"/>
           </a:p>
@@ -4834,7 +4834,7 @@
               <a:pPr>
                 <a:defRPr/>
               </a:pPr>
-              <a:t>2017/11/15</a:t>
+              <a:t>2018/10/18</a:t>
             </a:fld>
             <a:endParaRPr lang="zh-CN" altLang="en-US"/>
           </a:p>
@@ -7150,7 +7150,7 @@
           <a:graphicData uri="http://schemas.openxmlformats.org/presentationml/2006/ole">
             <mc:AlternateContent xmlns:mc="http://schemas.openxmlformats.org/markup-compatibility/2006">
               <mc:Choice xmlns:v="urn:schemas-microsoft-com:vml" Requires="v">
-                <p:oleObj spid="_x0000_s1050" name="Equation" r:id="rId3" imgW="419100" imgH="228600" progId="Equation.DSMT4">
+                <p:oleObj spid="_x0000_s1058" name="Equation" r:id="rId3" imgW="419100" imgH="228600" progId="Equation.DSMT4">
                   <p:embed/>
                 </p:oleObj>
               </mc:Choice>
@@ -7220,7 +7220,7 @@
           <a:graphicData uri="http://schemas.openxmlformats.org/presentationml/2006/ole">
             <mc:AlternateContent xmlns:mc="http://schemas.openxmlformats.org/markup-compatibility/2006">
               <mc:Choice xmlns:v="urn:schemas-microsoft-com:vml" Requires="v">
-                <p:oleObj spid="_x0000_s1051" name="Equation" r:id="rId5" imgW="190500" imgH="228600" progId="Equation.DSMT4">
+                <p:oleObj spid="_x0000_s1059" name="Equation" r:id="rId5" imgW="190500" imgH="228600" progId="Equation.DSMT4">
                   <p:embed/>
                 </p:oleObj>
               </mc:Choice>
@@ -7290,7 +7290,7 @@
           <a:graphicData uri="http://schemas.openxmlformats.org/presentationml/2006/ole">
             <mc:AlternateContent xmlns:mc="http://schemas.openxmlformats.org/markup-compatibility/2006">
               <mc:Choice xmlns:v="urn:schemas-microsoft-com:vml" Requires="v">
-                <p:oleObj spid="_x0000_s1052" name="Equation" r:id="rId7" imgW="139639" imgH="203112" progId="Equation.DSMT4">
+                <p:oleObj spid="_x0000_s1060" name="Equation" r:id="rId7" imgW="139639" imgH="203112" progId="Equation.DSMT4">
                   <p:embed/>
                 </p:oleObj>
               </mc:Choice>
@@ -7360,7 +7360,7 @@
           <a:graphicData uri="http://schemas.openxmlformats.org/presentationml/2006/ole">
             <mc:AlternateContent xmlns:mc="http://schemas.openxmlformats.org/markup-compatibility/2006">
               <mc:Choice xmlns:v="urn:schemas-microsoft-com:vml" Requires="v">
-                <p:oleObj spid="_x0000_s1053" name="Equation" r:id="rId9" imgW="190500" imgH="228600" progId="Equation.DSMT4">
+                <p:oleObj spid="_x0000_s1061" name="Equation" r:id="rId9" imgW="190500" imgH="228600" progId="Equation.DSMT4">
                   <p:embed/>
                 </p:oleObj>
               </mc:Choice>
@@ -7430,7 +7430,7 @@
           <a:graphicData uri="http://schemas.openxmlformats.org/presentationml/2006/ole">
             <mc:AlternateContent xmlns:mc="http://schemas.openxmlformats.org/markup-compatibility/2006">
               <mc:Choice xmlns:v="urn:schemas-microsoft-com:vml" Requires="v">
-                <p:oleObj spid="_x0000_s1054" name="Equation" r:id="rId10" imgW="266700" imgH="203200" progId="Equation.DSMT4">
+                <p:oleObj spid="_x0000_s1062" name="Equation" r:id="rId10" imgW="266700" imgH="203200" progId="Equation.DSMT4">
                   <p:embed/>
                 </p:oleObj>
               </mc:Choice>
@@ -7500,7 +7500,7 @@
           <a:graphicData uri="http://schemas.openxmlformats.org/presentationml/2006/ole">
             <mc:AlternateContent xmlns:mc="http://schemas.openxmlformats.org/markup-compatibility/2006">
               <mc:Choice xmlns:v="urn:schemas-microsoft-com:vml" Requires="v">
-                <p:oleObj spid="_x0000_s1055" name="Equation" r:id="rId12" imgW="139639" imgH="203112" progId="Equation.DSMT4">
+                <p:oleObj spid="_x0000_s1063" name="Equation" r:id="rId12" imgW="139639" imgH="203112" progId="Equation.DSMT4">
                   <p:embed/>
                 </p:oleObj>
               </mc:Choice>
@@ -8587,7 +8587,7 @@
           <a:graphicData uri="http://schemas.openxmlformats.org/presentationml/2006/ole">
             <mc:AlternateContent xmlns:mc="http://schemas.openxmlformats.org/markup-compatibility/2006">
               <mc:Choice xmlns:v="urn:schemas-microsoft-com:vml" Requires="v">
-                <p:oleObj spid="_x0000_s1056" name="Equation" r:id="rId13" imgW="139639" imgH="203112" progId="Equation.DSMT4">
+                <p:oleObj spid="_x0000_s1064" name="Equation" r:id="rId13" imgW="139639" imgH="203112" progId="Equation.DSMT4">
                   <p:embed/>
                 </p:oleObj>
               </mc:Choice>
@@ -9097,7 +9097,7 @@
           <a:graphicData uri="http://schemas.openxmlformats.org/presentationml/2006/ole">
             <mc:AlternateContent xmlns:mc="http://schemas.openxmlformats.org/markup-compatibility/2006">
               <mc:Choice xmlns:v="urn:schemas-microsoft-com:vml" Requires="v">
-                <p:oleObj spid="_x0000_s2080" name="Equation" r:id="rId3" imgW="761760" imgH="253800" progId="Equation.DSMT4">
+                <p:oleObj spid="_x0000_s2089" name="Equation" r:id="rId3" imgW="761760" imgH="253800" progId="Equation.DSMT4">
                   <p:embed/>
                 </p:oleObj>
               </mc:Choice>
@@ -9167,7 +9167,7 @@
           <a:graphicData uri="http://schemas.openxmlformats.org/presentationml/2006/ole">
             <mc:AlternateContent xmlns:mc="http://schemas.openxmlformats.org/markup-compatibility/2006">
               <mc:Choice xmlns:v="urn:schemas-microsoft-com:vml" Requires="v">
-                <p:oleObj spid="_x0000_s2081" name="Equation" r:id="rId5" imgW="876240" imgH="228600" progId="Equation.DSMT4">
+                <p:oleObj spid="_x0000_s2090" name="Equation" r:id="rId5" imgW="876240" imgH="228600" progId="Equation.DSMT4">
                   <p:embed/>
                 </p:oleObj>
               </mc:Choice>
@@ -9400,7 +9400,7 @@
           <a:graphicData uri="http://schemas.openxmlformats.org/presentationml/2006/ole">
             <mc:AlternateContent xmlns:mc="http://schemas.openxmlformats.org/markup-compatibility/2006">
               <mc:Choice xmlns:v="urn:schemas-microsoft-com:vml" Requires="v">
-                <p:oleObj spid="_x0000_s2082" name="Equation" r:id="rId7" imgW="825500" imgH="228600" progId="Equation.DSMT4">
+                <p:oleObj spid="_x0000_s2091" name="Equation" r:id="rId7" imgW="825500" imgH="228600" progId="Equation.DSMT4">
                   <p:embed/>
                 </p:oleObj>
               </mc:Choice>
@@ -9470,7 +9470,7 @@
           <a:graphicData uri="http://schemas.openxmlformats.org/presentationml/2006/ole">
             <mc:AlternateContent xmlns:mc="http://schemas.openxmlformats.org/markup-compatibility/2006">
               <mc:Choice xmlns:v="urn:schemas-microsoft-com:vml" Requires="v">
-                <p:oleObj spid="_x0000_s2083" name="Equation" r:id="rId9" imgW="673100" imgH="228600" progId="Equation.DSMT4">
+                <p:oleObj spid="_x0000_s2092" name="Equation" r:id="rId9" imgW="673100" imgH="228600" progId="Equation.DSMT4">
                   <p:embed/>
                 </p:oleObj>
               </mc:Choice>
@@ -9540,7 +9540,7 @@
           <a:graphicData uri="http://schemas.openxmlformats.org/presentationml/2006/ole">
             <mc:AlternateContent xmlns:mc="http://schemas.openxmlformats.org/markup-compatibility/2006">
               <mc:Choice xmlns:v="urn:schemas-microsoft-com:vml" Requires="v">
-                <p:oleObj spid="_x0000_s2084" name="Equation" r:id="rId11" imgW="723900" imgH="203200" progId="Equation.DSMT4">
+                <p:oleObj spid="_x0000_s2093" name="Equation" r:id="rId11" imgW="723900" imgH="203200" progId="Equation.DSMT4">
                   <p:embed/>
                 </p:oleObj>
               </mc:Choice>
@@ -9610,7 +9610,7 @@
           <a:graphicData uri="http://schemas.openxmlformats.org/presentationml/2006/ole">
             <mc:AlternateContent xmlns:mc="http://schemas.openxmlformats.org/markup-compatibility/2006">
               <mc:Choice xmlns:v="urn:schemas-microsoft-com:vml" Requires="v">
-                <p:oleObj spid="_x0000_s2085" name="Equation" r:id="rId13" imgW="609600" imgH="228600" progId="Equation.DSMT4">
+                <p:oleObj spid="_x0000_s2094" name="Equation" r:id="rId13" imgW="609600" imgH="228600" progId="Equation.DSMT4">
                   <p:embed/>
                 </p:oleObj>
               </mc:Choice>
@@ -9680,7 +9680,7 @@
           <a:graphicData uri="http://schemas.openxmlformats.org/presentationml/2006/ole">
             <mc:AlternateContent xmlns:mc="http://schemas.openxmlformats.org/markup-compatibility/2006">
               <mc:Choice xmlns:v="urn:schemas-microsoft-com:vml" Requires="v">
-                <p:oleObj spid="_x0000_s2086" name="Equation" r:id="rId15" imgW="609600" imgH="228600" progId="Equation.DSMT4">
+                <p:oleObj spid="_x0000_s2095" name="Equation" r:id="rId15" imgW="609600" imgH="228600" progId="Equation.DSMT4">
                   <p:embed/>
                 </p:oleObj>
               </mc:Choice>
@@ -10577,7 +10577,7 @@
           <a:graphicData uri="http://schemas.openxmlformats.org/presentationml/2006/ole">
             <mc:AlternateContent xmlns:mc="http://schemas.openxmlformats.org/markup-compatibility/2006">
               <mc:Choice xmlns:v="urn:schemas-microsoft-com:vml" Requires="v">
-                <p:oleObj spid="_x0000_s2087" name="Equation" r:id="rId17" imgW="1396800" imgH="241200" progId="Equation.DSMT4">
+                <p:oleObj spid="_x0000_s2096" name="Equation" r:id="rId17" imgW="1396800" imgH="241200" progId="Equation.DSMT4">
                   <p:embed/>
                 </p:oleObj>
               </mc:Choice>
@@ -11363,7 +11363,7 @@
           <a:graphicData uri="http://schemas.openxmlformats.org/presentationml/2006/ole">
             <mc:AlternateContent xmlns:mc="http://schemas.openxmlformats.org/markup-compatibility/2006">
               <mc:Choice xmlns:v="urn:schemas-microsoft-com:vml" Requires="v">
-                <p:oleObj spid="_x0000_s3083" name="Equation" r:id="rId3" imgW="177415" imgH="202760" progId="Equation.DSMT4">
+                <p:oleObj spid="_x0000_s3085" name="Equation" r:id="rId3" imgW="177415" imgH="202760" progId="Equation.DSMT4">
                   <p:embed/>
                 </p:oleObj>
               </mc:Choice>
@@ -12559,7 +12559,7 @@
           <a:graphicData uri="http://schemas.openxmlformats.org/presentationml/2006/ole">
             <mc:AlternateContent xmlns:mc="http://schemas.openxmlformats.org/markup-compatibility/2006">
               <mc:Choice xmlns:v="urn:schemas-microsoft-com:vml" Requires="v">
-                <p:oleObj spid="_x0000_s4107" name="Equation" r:id="rId3" imgW="139700" imgH="139700" progId="Equation.DSMT4">
+                <p:oleObj spid="_x0000_s4109" name="Equation" r:id="rId3" imgW="139700" imgH="139700" progId="Equation.DSMT4">
                   <p:embed/>
                 </p:oleObj>
               </mc:Choice>
